--- a/content/F-Document/F-Document.pptx
+++ b/content/F-Document/F-Document.pptx
@@ -3143,7 +3143,7 @@
           <a:p>
             <a:fld id="{7431BCA4-1900-4BDF-853C-1064A083EECB}" type="datetimeFigureOut">
               <a:rPr lang="en-US" smtClean="0"/>
-              <a:t>10/5/2021</a:t>
+              <a:t>10/14/2021</a:t>
             </a:fld>
             <a:endParaRPr lang="en-US"/>
           </a:p>
@@ -6430,7 +6430,7 @@
           <a:p>
             <a:fld id="{D8FC982F-3C14-465F-B483-5A8711A994AE}" type="datetimeFigureOut">
               <a:rPr lang="en-US" smtClean="0"/>
-              <a:t>10/5/2021</a:t>
+              <a:t>10/14/2021</a:t>
             </a:fld>
             <a:endParaRPr lang="en-US" dirty="0"/>
           </a:p>
@@ -7216,7 +7216,7 @@
           <a:p>
             <a:fld id="{D8FC982F-3C14-465F-B483-5A8711A994AE}" type="datetimeFigureOut">
               <a:rPr lang="en-US" smtClean="0"/>
-              <a:t>10/5/2021</a:t>
+              <a:t>10/14/2021</a:t>
             </a:fld>
             <a:endParaRPr lang="en-US"/>
           </a:p>
@@ -7363,7 +7363,7 @@
           <a:p>
             <a:fld id="{D8FC982F-3C14-465F-B483-5A8711A994AE}" type="datetimeFigureOut">
               <a:rPr lang="en-US" smtClean="0"/>
-              <a:t>10/5/2021</a:t>
+              <a:t>10/14/2021</a:t>
             </a:fld>
             <a:endParaRPr lang="en-US"/>
           </a:p>
@@ -7628,7 +7628,7 @@
           <a:p>
             <a:fld id="{D8FC982F-3C14-465F-B483-5A8711A994AE}" type="datetimeFigureOut">
               <a:rPr lang="en-US" smtClean="0"/>
-              <a:t>10/5/2021</a:t>
+              <a:t>10/14/2021</a:t>
             </a:fld>
             <a:endParaRPr lang="en-US"/>
           </a:p>
@@ -7939,7 +7939,7 @@
           <a:p>
             <a:fld id="{D8FC982F-3C14-465F-B483-5A8711A994AE}" type="datetimeFigureOut">
               <a:rPr lang="en-US" smtClean="0"/>
-              <a:t>10/5/2021</a:t>
+              <a:t>10/14/2021</a:t>
             </a:fld>
             <a:endParaRPr lang="en-US"/>
           </a:p>
@@ -8234,7 +8234,7 @@
           <a:p>
             <a:fld id="{D8FC982F-3C14-465F-B483-5A8711A994AE}" type="datetimeFigureOut">
               <a:rPr lang="en-US" smtClean="0"/>
-              <a:t>10/5/2021</a:t>
+              <a:t>10/14/2021</a:t>
             </a:fld>
             <a:endParaRPr lang="en-US"/>
           </a:p>
@@ -8662,7 +8662,7 @@
           <a:p>
             <a:fld id="{D8FC982F-3C14-465F-B483-5A8711A994AE}" type="datetimeFigureOut">
               <a:rPr lang="en-US" smtClean="0"/>
-              <a:t>10/5/2021</a:t>
+              <a:t>10/14/2021</a:t>
             </a:fld>
             <a:endParaRPr lang="en-US"/>
           </a:p>
@@ -9090,7 +9090,7 @@
           <a:p>
             <a:fld id="{D8FC982F-3C14-465F-B483-5A8711A994AE}" type="datetimeFigureOut">
               <a:rPr lang="en-US" smtClean="0"/>
-              <a:t>10/5/2021</a:t>
+              <a:t>10/14/2021</a:t>
             </a:fld>
             <a:endParaRPr lang="en-US"/>
           </a:p>
@@ -9572,7 +9572,7 @@
           <a:p>
             <a:fld id="{D8FC982F-3C14-465F-B483-5A8711A994AE}" type="datetimeFigureOut">
               <a:rPr lang="en-US" smtClean="0"/>
-              <a:t>10/5/2021</a:t>
+              <a:t>10/14/2021</a:t>
             </a:fld>
             <a:endParaRPr lang="en-US"/>
           </a:p>
@@ -9685,7 +9685,7 @@
           <a:p>
             <a:fld id="{D8FC982F-3C14-465F-B483-5A8711A994AE}" type="datetimeFigureOut">
               <a:rPr lang="en-US" smtClean="0"/>
-              <a:t>10/5/2021</a:t>
+              <a:t>10/14/2021</a:t>
             </a:fld>
             <a:endParaRPr lang="en-US"/>
           </a:p>
@@ -9999,7 +9999,7 @@
           <a:p>
             <a:fld id="{D8FC982F-3C14-465F-B483-5A8711A994AE}" type="datetimeFigureOut">
               <a:rPr lang="en-US" smtClean="0"/>
-              <a:t>10/5/2021</a:t>
+              <a:t>10/14/2021</a:t>
             </a:fld>
             <a:endParaRPr lang="en-US"/>
           </a:p>
@@ -10112,7 +10112,7 @@
           <a:p>
             <a:fld id="{D8FC982F-3C14-465F-B483-5A8711A994AE}" type="datetimeFigureOut">
               <a:rPr lang="en-US" smtClean="0"/>
-              <a:t>10/5/2021</a:t>
+              <a:t>10/14/2021</a:t>
             </a:fld>
             <a:endParaRPr lang="en-US"/>
           </a:p>
@@ -11018,7 +11018,7 @@
           <a:p>
             <a:fld id="{D8FC982F-3C14-465F-B483-5A8711A994AE}" type="datetimeFigureOut">
               <a:rPr lang="en-US" smtClean="0"/>
-              <a:t>10/5/2021</a:t>
+              <a:t>10/14/2021</a:t>
             </a:fld>
             <a:endParaRPr lang="en-US"/>
           </a:p>
@@ -11131,7 +11131,7 @@
           <a:p>
             <a:fld id="{D8FC982F-3C14-465F-B483-5A8711A994AE}" type="datetimeFigureOut">
               <a:rPr lang="en-US" smtClean="0"/>
-              <a:t>10/5/2021</a:t>
+              <a:t>10/14/2021</a:t>
             </a:fld>
             <a:endParaRPr lang="en-US"/>
           </a:p>
@@ -12952,7 +12952,7 @@
           <a:p>
             <a:fld id="{D8FC982F-3C14-465F-B483-5A8711A994AE}" type="datetimeFigureOut">
               <a:rPr lang="en-US" smtClean="0"/>
-              <a:t>10/5/2021</a:t>
+              <a:t>10/14/2021</a:t>
             </a:fld>
             <a:endParaRPr lang="en-US"/>
           </a:p>
@@ -13160,7 +13160,7 @@
           <a:p>
             <a:fld id="{D8FC982F-3C14-465F-B483-5A8711A994AE}" type="datetimeFigureOut">
               <a:rPr lang="en-US" smtClean="0"/>
-              <a:t>10/5/2021</a:t>
+              <a:t>10/14/2021</a:t>
             </a:fld>
             <a:endParaRPr lang="en-US"/>
           </a:p>
@@ -13469,7 +13469,7 @@
           <a:p>
             <a:fld id="{00682357-D158-470D-AD20-0063E9FBD795}" type="datetime1">
               <a:rPr lang="en-US" smtClean="0"/>
-              <a:t>10/5/2021</a:t>
+              <a:t>10/14/2021</a:t>
             </a:fld>
             <a:endParaRPr lang="en-US" dirty="0"/>
           </a:p>
@@ -14076,7 +14076,7 @@
           <a:p>
             <a:fld id="{00682357-D158-470D-AD20-0063E9FBD795}" type="datetime1">
               <a:rPr lang="en-US" smtClean="0"/>
-              <a:t>10/5/2021</a:t>
+              <a:t>10/14/2021</a:t>
             </a:fld>
             <a:endParaRPr lang="en-US" dirty="0"/>
           </a:p>
@@ -14654,7 +14654,7 @@
           <a:p>
             <a:fld id="{D8FC982F-3C14-465F-B483-5A8711A994AE}" type="datetimeFigureOut">
               <a:rPr lang="en-US" smtClean="0"/>
-              <a:t>10/5/2021</a:t>
+              <a:t>10/14/2021</a:t>
             </a:fld>
             <a:endParaRPr lang="en-US"/>
           </a:p>
@@ -15587,7 +15587,7 @@
           <a:p>
             <a:fld id="{D8FC982F-3C14-465F-B483-5A8711A994AE}" type="datetimeFigureOut">
               <a:rPr lang="en-US" smtClean="0"/>
-              <a:t>10/5/2021</a:t>
+              <a:t>10/14/2021</a:t>
             </a:fld>
             <a:endParaRPr lang="en-US" dirty="0"/>
           </a:p>
@@ -16802,7 +16802,7 @@
           <a:p>
             <a:fld id="{D8FC982F-3C14-465F-B483-5A8711A994AE}" type="datetimeFigureOut">
               <a:rPr lang="en-US" smtClean="0"/>
-              <a:t>10/5/2021</a:t>
+              <a:t>10/14/2021</a:t>
             </a:fld>
             <a:endParaRPr lang="en-US"/>
           </a:p>
@@ -17179,7 +17179,7 @@
           <a:p>
             <a:fld id="{D8FC982F-3C14-465F-B483-5A8711A994AE}" type="datetimeFigureOut">
               <a:rPr lang="en-US" smtClean="0"/>
-              <a:t>10/5/2021</a:t>
+              <a:t>10/14/2021</a:t>
             </a:fld>
             <a:endParaRPr lang="en-US"/>
           </a:p>
@@ -17745,7 +17745,7 @@
           <a:p>
             <a:fld id="{D8FC982F-3C14-465F-B483-5A8711A994AE}" type="datetimeFigureOut">
               <a:rPr lang="en-US" smtClean="0"/>
-              <a:t>10/5/2021</a:t>
+              <a:t>10/14/2021</a:t>
             </a:fld>
             <a:endParaRPr lang="en-US"/>
           </a:p>
@@ -18058,7 +18058,7 @@
           <a:p>
             <a:fld id="{D8FC982F-3C14-465F-B483-5A8711A994AE}" type="datetimeFigureOut">
               <a:rPr lang="en-US" smtClean="0"/>
-              <a:t>10/5/2021</a:t>
+              <a:t>10/14/2021</a:t>
             </a:fld>
             <a:endParaRPr lang="en-US"/>
           </a:p>
@@ -18357,7 +18357,7 @@
           <a:p>
             <a:fld id="{D8FC982F-3C14-465F-B483-5A8711A994AE}" type="datetimeFigureOut">
               <a:rPr lang="en-US" smtClean="0"/>
-              <a:t>10/5/2021</a:t>
+              <a:t>10/14/2021</a:t>
             </a:fld>
             <a:endParaRPr lang="en-US"/>
           </a:p>
@@ -18598,7 +18598,7 @@
           <a:p>
             <a:fld id="{D8FC982F-3C14-465F-B483-5A8711A994AE}" type="datetimeFigureOut">
               <a:rPr lang="en-US" smtClean="0"/>
-              <a:t>10/5/2021</a:t>
+              <a:t>10/14/2021</a:t>
             </a:fld>
             <a:endParaRPr lang="en-US"/>
           </a:p>
@@ -27000,7 +27000,9 @@
         </p:nvSpPr>
         <p:spPr/>
         <p:txBody>
-          <a:bodyPr/>
+          <a:bodyPr>
+            <a:normAutofit lnSpcReduction="10000"/>
+          </a:bodyPr>
           <a:lstStyle/>
           <a:p>
             <a:r>
@@ -27069,6 +27071,91 @@
               <a:rPr lang="en-US" dirty="0"/>
               <a:t>Browse the created collections</a:t>
             </a:r>
+          </a:p>
+          <a:p>
+            <a:pPr marL="0" indent="0">
+              <a:buNone/>
+            </a:pPr>
+            <a:r>
+              <a:rPr lang="en-US" b="0" dirty="0">
+                <a:solidFill>
+                  <a:srgbClr val="CE9178"/>
+                </a:solidFill>
+                <a:effectLst/>
+                <a:latin typeface="Consolas" panose="020B0609020204030204" pitchFamily="49" charset="0"/>
+              </a:rPr>
+              <a:t>docker-compose exec mongo </a:t>
+            </a:r>
+            <a:r>
+              <a:rPr lang="en-US" b="0" dirty="0" err="1">
+                <a:solidFill>
+                  <a:srgbClr val="CE9178"/>
+                </a:solidFill>
+                <a:effectLst/>
+                <a:latin typeface="Consolas" panose="020B0609020204030204" pitchFamily="49" charset="0"/>
+              </a:rPr>
+              <a:t>mongosh</a:t>
+            </a:r>
+            <a:r>
+              <a:rPr lang="en-US" b="0" dirty="0">
+                <a:solidFill>
+                  <a:srgbClr val="CE9178"/>
+                </a:solidFill>
+                <a:effectLst/>
+                <a:latin typeface="Consolas" panose="020B0609020204030204" pitchFamily="49" charset="0"/>
+              </a:rPr>
+              <a:t> -u admin -p </a:t>
+            </a:r>
+            <a:r>
+              <a:rPr lang="en-US" b="0" dirty="0" err="1">
+                <a:solidFill>
+                  <a:srgbClr val="CE9178"/>
+                </a:solidFill>
+                <a:effectLst/>
+                <a:latin typeface="Consolas" panose="020B0609020204030204" pitchFamily="49" charset="0"/>
+              </a:rPr>
+              <a:t>mongopw</a:t>
+            </a:r>
+            <a:r>
+              <a:rPr lang="en-US" b="0" dirty="0">
+                <a:solidFill>
+                  <a:srgbClr val="CE9178"/>
+                </a:solidFill>
+                <a:effectLst/>
+                <a:latin typeface="Consolas" panose="020B0609020204030204" pitchFamily="49" charset="0"/>
+              </a:rPr>
+              <a:t> --</a:t>
+            </a:r>
+            <a:r>
+              <a:rPr lang="en-US" b="0" dirty="0" err="1">
+                <a:solidFill>
+                  <a:srgbClr val="CE9178"/>
+                </a:solidFill>
+                <a:effectLst/>
+                <a:latin typeface="Consolas" panose="020B0609020204030204" pitchFamily="49" charset="0"/>
+              </a:rPr>
+              <a:t>authenticationDatabase</a:t>
+            </a:r>
+            <a:r>
+              <a:rPr lang="en-US" b="0" dirty="0">
+                <a:solidFill>
+                  <a:srgbClr val="CE9178"/>
+                </a:solidFill>
+                <a:effectLst/>
+                <a:latin typeface="Consolas" panose="020B0609020204030204" pitchFamily="49" charset="0"/>
+              </a:rPr>
+              <a:t>=admin</a:t>
+            </a:r>
+            <a:endParaRPr lang="en-US" b="0" dirty="0">
+              <a:solidFill>
+                <a:srgbClr val="D4D4D4"/>
+              </a:solidFill>
+              <a:effectLst/>
+              <a:latin typeface="Consolas" panose="020B0609020204030204" pitchFamily="49" charset="0"/>
+            </a:endParaRPr>
+          </a:p>
+          <a:p>
+            <a:endParaRPr lang="en-US" dirty="0"/>
           </a:p>
         </p:txBody>
       </p:sp>
